--- a/OTUS_MS_SQL/Course_project/HW_10_DB_model/Склад товаров для авто туризма.pptx
+++ b/OTUS_MS_SQL/Course_project/HW_10_DB_model/Склад товаров для авто туризма.pptx
@@ -109,6 +109,11 @@
       </a:defRPr>
     </a:lvl9pPr>
   </p:defaultTextStyle>
+  <p:extLst>
+    <p:ext uri="{EFAFB233-063F-42B5-8137-9DF3F51BA10A}">
+      <p15:sldGuideLst xmlns:p15="http://schemas.microsoft.com/office/powerpoint/2012/main"/>
+    </p:ext>
+  </p:extLst>
 </p:presentation>
 </file>
 
@@ -3790,9 +3795,10 @@
               <a:rPr lang="ru-RU" dirty="0"/>
             </a:br>
             <a:r>
-              <a:rPr lang="ru-RU" dirty="0"/>
-              <a:t>для авто туризма</a:t>
-            </a:r>
+              <a:rPr lang="ru-RU"/>
+              <a:t>для автотуризма</a:t>
+            </a:r>
+            <a:endParaRPr lang="ru-RU" dirty="0"/>
           </a:p>
         </p:txBody>
       </p:sp>
